--- a/template_dorian_lilian.pptx
+++ b/template_dorian_lilian.pptx
@@ -352,7 +352,7 @@
               <a:pPr>
                 <a:defRPr/>
               </a:pPr>
-              <a:t>08/01/2019</a:t>
+              <a:t>09/01/2019</a:t>
             </a:fld>
             <a:endParaRPr lang="fr-FR"/>
           </a:p>
@@ -547,7 +547,7 @@
               <a:pPr>
                 <a:defRPr/>
               </a:pPr>
-              <a:t>08/01/2019</a:t>
+              <a:t>09/01/2019</a:t>
             </a:fld>
             <a:endParaRPr lang="fr-FR"/>
           </a:p>
@@ -752,7 +752,7 @@
               <a:pPr>
                 <a:defRPr/>
               </a:pPr>
-              <a:t>08/01/2019</a:t>
+              <a:t>09/01/2019</a:t>
             </a:fld>
             <a:endParaRPr lang="fr-FR"/>
           </a:p>
@@ -947,7 +947,7 @@
               <a:pPr>
                 <a:defRPr/>
               </a:pPr>
-              <a:t>08/01/2019</a:t>
+              <a:t>09/01/2019</a:t>
             </a:fld>
             <a:endParaRPr lang="fr-FR"/>
           </a:p>
@@ -1219,7 +1219,7 @@
               <a:pPr>
                 <a:defRPr/>
               </a:pPr>
-              <a:t>08/01/2019</a:t>
+              <a:t>09/01/2019</a:t>
             </a:fld>
             <a:endParaRPr lang="fr-FR"/>
           </a:p>
@@ -1531,7 +1531,7 @@
               <a:pPr>
                 <a:defRPr/>
               </a:pPr>
-              <a:t>08/01/2019</a:t>
+              <a:t>09/01/2019</a:t>
             </a:fld>
             <a:endParaRPr lang="fr-FR"/>
           </a:p>
@@ -1977,7 +1977,7 @@
               <a:pPr>
                 <a:defRPr/>
               </a:pPr>
-              <a:t>08/01/2019</a:t>
+              <a:t>09/01/2019</a:t>
             </a:fld>
             <a:endParaRPr lang="fr-FR"/>
           </a:p>
@@ -2121,7 +2121,7 @@
               <a:pPr>
                 <a:defRPr/>
               </a:pPr>
-              <a:t>08/01/2019</a:t>
+              <a:t>09/01/2019</a:t>
             </a:fld>
             <a:endParaRPr lang="fr-FR"/>
           </a:p>
@@ -2243,7 +2243,7 @@
               <a:pPr>
                 <a:defRPr/>
               </a:pPr>
-              <a:t>08/01/2019</a:t>
+              <a:t>09/01/2019</a:t>
             </a:fld>
             <a:endParaRPr lang="fr-FR"/>
           </a:p>
@@ -2545,7 +2545,7 @@
               <a:pPr>
                 <a:defRPr/>
               </a:pPr>
-              <a:t>08/01/2019</a:t>
+              <a:t>09/01/2019</a:t>
             </a:fld>
             <a:endParaRPr lang="fr-FR"/>
           </a:p>
@@ -2830,7 +2830,7 @@
               <a:pPr>
                 <a:defRPr/>
               </a:pPr>
-              <a:t>08/01/2019</a:t>
+              <a:t>09/01/2019</a:t>
             </a:fld>
             <a:endParaRPr lang="fr-FR"/>
           </a:p>
@@ -2961,14 +2961,14 @@
           </a:ln>
           <a:extLst>
             <a:ext uri="{909E8E84-426E-40dd-AFC4-6F175D3DCCD1}">
-              <a14:hiddenFill xmlns:a14="http://schemas.microsoft.com/office/drawing/2010/main" xmlns="">
+              <a14:hiddenFill xmlns="" xmlns:a14="http://schemas.microsoft.com/office/drawing/2010/main">
                 <a:solidFill>
                   <a:srgbClr val="FFFFFF"/>
                 </a:solidFill>
               </a14:hiddenFill>
             </a:ext>
             <a:ext uri="{91240B29-F687-4f45-9708-019B960494DF}">
-              <a14:hiddenLine xmlns:a14="http://schemas.microsoft.com/office/drawing/2010/main" xmlns="" w="9525">
+              <a14:hiddenLine xmlns="" xmlns:a14="http://schemas.microsoft.com/office/drawing/2010/main" w="9525">
                 <a:solidFill>
                   <a:srgbClr val="000000"/>
                 </a:solidFill>
@@ -2978,7 +2978,7 @@
               </a14:hiddenLine>
             </a:ext>
             <a:ext uri="{FAA26D3D-D897-4be2-8F04-BA451C77F1D7}">
-              <ma14:placeholderFlag xmlns:ma14="http://schemas.microsoft.com/office/mac/drawingml/2011/main" xmlns="" val="1"/>
+              <ma14:placeholderFlag xmlns="" xmlns:ma14="http://schemas.microsoft.com/office/mac/drawingml/2011/main" val="1"/>
             </a:ext>
           </a:extLst>
         </p:spPr>
@@ -3022,14 +3022,14 @@
           </a:ln>
           <a:extLst>
             <a:ext uri="{909E8E84-426E-40dd-AFC4-6F175D3DCCD1}">
-              <a14:hiddenFill xmlns:a14="http://schemas.microsoft.com/office/drawing/2010/main" xmlns="">
+              <a14:hiddenFill xmlns="" xmlns:a14="http://schemas.microsoft.com/office/drawing/2010/main">
                 <a:solidFill>
                   <a:srgbClr val="FFFFFF"/>
                 </a:solidFill>
               </a14:hiddenFill>
             </a:ext>
             <a:ext uri="{91240B29-F687-4f45-9708-019B960494DF}">
-              <a14:hiddenLine xmlns:a14="http://schemas.microsoft.com/office/drawing/2010/main" xmlns="" w="9525">
+              <a14:hiddenLine xmlns="" xmlns:a14="http://schemas.microsoft.com/office/drawing/2010/main" w="9525">
                 <a:solidFill>
                   <a:srgbClr val="000000"/>
                 </a:solidFill>
@@ -3039,7 +3039,7 @@
               </a14:hiddenLine>
             </a:ext>
             <a:ext uri="{FAA26D3D-D897-4be2-8F04-BA451C77F1D7}">
-              <ma14:placeholderFlag xmlns:ma14="http://schemas.microsoft.com/office/mac/drawingml/2011/main" xmlns="" val="1"/>
+              <ma14:placeholderFlag xmlns="" xmlns:ma14="http://schemas.microsoft.com/office/mac/drawingml/2011/main" val="1"/>
             </a:ext>
           </a:extLst>
         </p:spPr>
@@ -3137,7 +3137,7 @@
               <a:pPr>
                 <a:defRPr/>
               </a:pPr>
-              <a:t>08/01/2019</a:t>
+              <a:t>09/01/2019</a:t>
             </a:fld>
             <a:endParaRPr lang="fr-FR"/>
           </a:p>
@@ -4034,10 +4034,10 @@
       </p:pic>
       <p:pic>
         <p:nvPicPr>
-          <p:cNvPr id="8" name="Picture 7">
+          <p:cNvPr id="7" name="Picture 6">
             <a:extLst>
               <a:ext uri="{FF2B5EF4-FFF2-40B4-BE49-F238E27FC236}">
-                <a16:creationId xmlns:a16="http://schemas.microsoft.com/office/drawing/2014/main" id="{E7D91612-AC61-FE4E-9715-E07DD2FCA23A}"/>
+                <a16:creationId xmlns:a16="http://schemas.microsoft.com/office/drawing/2014/main" id="{8E038A13-26BA-1144-A3C2-8FEE1DC5907D}"/>
               </a:ext>
             </a:extLst>
           </p:cNvPr>
@@ -4054,8 +4054,8 @@
         </p:blipFill>
         <p:spPr>
           <a:xfrm>
-            <a:off x="4696198" y="1936375"/>
-            <a:ext cx="3942603" cy="2365562"/>
+            <a:off x="4786498" y="1883657"/>
+            <a:ext cx="4281301" cy="2418280"/>
           </a:xfrm>
           <a:prstGeom prst="rect">
             <a:avLst/>
@@ -4859,14 +4859,14 @@
           </a:ln>
           <a:extLst>
             <a:ext uri="{909E8E84-426E-40dd-AFC4-6F175D3DCCD1}">
-              <a14:hiddenFill xmlns:a14="http://schemas.microsoft.com/office/drawing/2010/main" xmlns="">
+              <a14:hiddenFill xmlns="" xmlns:a14="http://schemas.microsoft.com/office/drawing/2010/main">
                 <a:solidFill>
                   <a:srgbClr val="FFFFFF"/>
                 </a:solidFill>
               </a14:hiddenFill>
             </a:ext>
             <a:ext uri="{91240B29-F687-4f45-9708-019B960494DF}">
-              <a14:hiddenLine xmlns:a14="http://schemas.microsoft.com/office/drawing/2010/main" xmlns="" w="9525">
+              <a14:hiddenLine xmlns="" xmlns:a14="http://schemas.microsoft.com/office/drawing/2010/main" w="9525">
                 <a:solidFill>
                   <a:srgbClr val="000000"/>
                 </a:solidFill>
@@ -4876,7 +4876,7 @@
               </a14:hiddenLine>
             </a:ext>
             <a:ext uri="{FAA26D3D-D897-4be2-8F04-BA451C77F1D7}">
-              <ma14:placeholderFlag xmlns:ma14="http://schemas.microsoft.com/office/mac/drawingml/2011/main" xmlns="" val="1"/>
+              <ma14:placeholderFlag xmlns="" xmlns:ma14="http://schemas.microsoft.com/office/mac/drawingml/2011/main" val="1"/>
             </a:ext>
           </a:extLst>
         </p:spPr>
@@ -5281,14 +5281,14 @@
           </a:ln>
           <a:extLst>
             <a:ext uri="{909E8E84-426E-40dd-AFC4-6F175D3DCCD1}">
-              <a14:hiddenFill xmlns:a14="http://schemas.microsoft.com/office/drawing/2010/main" xmlns="">
+              <a14:hiddenFill xmlns="" xmlns:a14="http://schemas.microsoft.com/office/drawing/2010/main">
                 <a:solidFill>
                   <a:srgbClr val="FFFFFF"/>
                 </a:solidFill>
               </a14:hiddenFill>
             </a:ext>
             <a:ext uri="{91240B29-F687-4f45-9708-019B960494DF}">
-              <a14:hiddenLine xmlns:a14="http://schemas.microsoft.com/office/drawing/2010/main" xmlns="" w="9525">
+              <a14:hiddenLine xmlns="" xmlns:a14="http://schemas.microsoft.com/office/drawing/2010/main" w="9525">
                 <a:solidFill>
                   <a:srgbClr val="000000"/>
                 </a:solidFill>
@@ -5298,7 +5298,7 @@
               </a14:hiddenLine>
             </a:ext>
             <a:ext uri="{FAA26D3D-D897-4be2-8F04-BA451C77F1D7}">
-              <ma14:placeholderFlag xmlns:ma14="http://schemas.microsoft.com/office/mac/drawingml/2011/main" xmlns="" val="1"/>
+              <ma14:placeholderFlag xmlns="" xmlns:ma14="http://schemas.microsoft.com/office/mac/drawingml/2011/main" val="1"/>
             </a:ext>
           </a:extLst>
         </p:spPr>
@@ -5780,14 +5780,14 @@
           </a:ln>
           <a:extLst>
             <a:ext uri="{909E8E84-426E-40dd-AFC4-6F175D3DCCD1}">
-              <a14:hiddenFill xmlns:a14="http://schemas.microsoft.com/office/drawing/2010/main" xmlns="">
+              <a14:hiddenFill xmlns="" xmlns:a14="http://schemas.microsoft.com/office/drawing/2010/main">
                 <a:solidFill>
                   <a:srgbClr val="FFFFFF"/>
                 </a:solidFill>
               </a14:hiddenFill>
             </a:ext>
             <a:ext uri="{91240B29-F687-4f45-9708-019B960494DF}">
-              <a14:hiddenLine xmlns:a14="http://schemas.microsoft.com/office/drawing/2010/main" xmlns="" w="9525">
+              <a14:hiddenLine xmlns="" xmlns:a14="http://schemas.microsoft.com/office/drawing/2010/main" w="9525">
                 <a:solidFill>
                   <a:srgbClr val="000000"/>
                 </a:solidFill>
@@ -5797,7 +5797,7 @@
               </a14:hiddenLine>
             </a:ext>
             <a:ext uri="{FAA26D3D-D897-4be2-8F04-BA451C77F1D7}">
-              <ma14:placeholderFlag xmlns:ma14="http://schemas.microsoft.com/office/mac/drawingml/2011/main" xmlns="" val="1"/>
+              <ma14:placeholderFlag xmlns="" xmlns:ma14="http://schemas.microsoft.com/office/mac/drawingml/2011/main" val="1"/>
             </a:ext>
           </a:extLst>
         </p:spPr>
@@ -6039,14 +6039,14 @@
           </a:ln>
           <a:extLst>
             <a:ext uri="{909E8E84-426E-40dd-AFC4-6F175D3DCCD1}">
-              <a14:hiddenFill xmlns:a14="http://schemas.microsoft.com/office/drawing/2010/main" xmlns="">
+              <a14:hiddenFill xmlns="" xmlns:a14="http://schemas.microsoft.com/office/drawing/2010/main">
                 <a:solidFill>
                   <a:srgbClr val="FFFFFF"/>
                 </a:solidFill>
               </a14:hiddenFill>
             </a:ext>
             <a:ext uri="{91240B29-F687-4f45-9708-019B960494DF}">
-              <a14:hiddenLine xmlns:a14="http://schemas.microsoft.com/office/drawing/2010/main" xmlns="" w="9525">
+              <a14:hiddenLine xmlns="" xmlns:a14="http://schemas.microsoft.com/office/drawing/2010/main" w="9525">
                 <a:solidFill>
                   <a:srgbClr val="000000"/>
                 </a:solidFill>
@@ -6056,7 +6056,7 @@
               </a14:hiddenLine>
             </a:ext>
             <a:ext uri="{FAA26D3D-D897-4be2-8F04-BA451C77F1D7}">
-              <ma14:placeholderFlag xmlns:ma14="http://schemas.microsoft.com/office/mac/drawingml/2011/main" xmlns="" val="1"/>
+              <ma14:placeholderFlag xmlns="" xmlns:ma14="http://schemas.microsoft.com/office/mac/drawingml/2011/main" val="1"/>
             </a:ext>
           </a:extLst>
         </p:spPr>
@@ -6340,14 +6340,14 @@
           </a:ln>
           <a:extLst>
             <a:ext uri="{909E8E84-426E-40dd-AFC4-6F175D3DCCD1}">
-              <a14:hiddenFill xmlns:a14="http://schemas.microsoft.com/office/drawing/2010/main" xmlns="">
+              <a14:hiddenFill xmlns="" xmlns:a14="http://schemas.microsoft.com/office/drawing/2010/main">
                 <a:solidFill>
                   <a:srgbClr val="FFFFFF"/>
                 </a:solidFill>
               </a14:hiddenFill>
             </a:ext>
             <a:ext uri="{91240B29-F687-4f45-9708-019B960494DF}">
-              <a14:hiddenLine xmlns:a14="http://schemas.microsoft.com/office/drawing/2010/main" xmlns="" w="9525">
+              <a14:hiddenLine xmlns="" xmlns:a14="http://schemas.microsoft.com/office/drawing/2010/main" w="9525">
                 <a:solidFill>
                   <a:srgbClr val="000000"/>
                 </a:solidFill>
@@ -6357,7 +6357,7 @@
               </a14:hiddenLine>
             </a:ext>
             <a:ext uri="{FAA26D3D-D897-4be2-8F04-BA451C77F1D7}">
-              <ma14:placeholderFlag xmlns:ma14="http://schemas.microsoft.com/office/mac/drawingml/2011/main" xmlns="" val="1"/>
+              <ma14:placeholderFlag xmlns="" xmlns:ma14="http://schemas.microsoft.com/office/mac/drawingml/2011/main" val="1"/>
             </a:ext>
           </a:extLst>
         </p:spPr>
@@ -6607,14 +6607,14 @@
           </a:ln>
           <a:extLst>
             <a:ext uri="{909E8E84-426E-40dd-AFC4-6F175D3DCCD1}">
-              <a14:hiddenFill xmlns:a14="http://schemas.microsoft.com/office/drawing/2010/main" xmlns="">
+              <a14:hiddenFill xmlns="" xmlns:a14="http://schemas.microsoft.com/office/drawing/2010/main">
                 <a:solidFill>
                   <a:srgbClr val="FFFFFF"/>
                 </a:solidFill>
               </a14:hiddenFill>
             </a:ext>
             <a:ext uri="{91240B29-F687-4f45-9708-019B960494DF}">
-              <a14:hiddenLine xmlns:a14="http://schemas.microsoft.com/office/drawing/2010/main" xmlns="" w="9525">
+              <a14:hiddenLine xmlns="" xmlns:a14="http://schemas.microsoft.com/office/drawing/2010/main" w="9525">
                 <a:solidFill>
                   <a:srgbClr val="000000"/>
                 </a:solidFill>
@@ -6624,7 +6624,7 @@
               </a14:hiddenLine>
             </a:ext>
             <a:ext uri="{FAA26D3D-D897-4be2-8F04-BA451C77F1D7}">
-              <ma14:placeholderFlag xmlns:ma14="http://schemas.microsoft.com/office/mac/drawingml/2011/main" xmlns="" val="1"/>
+              <ma14:placeholderFlag xmlns="" xmlns:ma14="http://schemas.microsoft.com/office/mac/drawingml/2011/main" val="1"/>
             </a:ext>
           </a:extLst>
         </p:spPr>
@@ -6874,14 +6874,14 @@
           </a:ln>
           <a:extLst>
             <a:ext uri="{909E8E84-426E-40dd-AFC4-6F175D3DCCD1}">
-              <a14:hiddenFill xmlns:a14="http://schemas.microsoft.com/office/drawing/2010/main" xmlns="">
+              <a14:hiddenFill xmlns="" xmlns:a14="http://schemas.microsoft.com/office/drawing/2010/main">
                 <a:solidFill>
                   <a:srgbClr val="FFFFFF"/>
                 </a:solidFill>
               </a14:hiddenFill>
             </a:ext>
             <a:ext uri="{91240B29-F687-4f45-9708-019B960494DF}">
-              <a14:hiddenLine xmlns:a14="http://schemas.microsoft.com/office/drawing/2010/main" xmlns="" w="9525">
+              <a14:hiddenLine xmlns="" xmlns:a14="http://schemas.microsoft.com/office/drawing/2010/main" w="9525">
                 <a:solidFill>
                   <a:srgbClr val="000000"/>
                 </a:solidFill>
@@ -6891,7 +6891,7 @@
               </a14:hiddenLine>
             </a:ext>
             <a:ext uri="{FAA26D3D-D897-4be2-8F04-BA451C77F1D7}">
-              <ma14:placeholderFlag xmlns:ma14="http://schemas.microsoft.com/office/mac/drawingml/2011/main" xmlns="" val="1"/>
+              <ma14:placeholderFlag xmlns="" xmlns:ma14="http://schemas.microsoft.com/office/mac/drawingml/2011/main" val="1"/>
             </a:ext>
           </a:extLst>
         </p:spPr>
